--- a/jasmine.pptx
+++ b/jasmine.pptx
@@ -10,9 +10,9 @@
   <p:sldIdLst>
     <p:sldId id="256" r:id="rId2"/>
     <p:sldId id="257" r:id="rId3"/>
-    <p:sldId id="264" r:id="rId4"/>
-    <p:sldId id="282" r:id="rId5"/>
-    <p:sldId id="284" r:id="rId6"/>
+    <p:sldId id="282" r:id="rId4"/>
+    <p:sldId id="284" r:id="rId5"/>
+    <p:sldId id="294" r:id="rId6"/>
     <p:sldId id="265" r:id="rId7"/>
     <p:sldId id="268" r:id="rId8"/>
     <p:sldId id="286" r:id="rId9"/>
@@ -208,7 +208,7 @@
             <a:fld id="{6695C668-994C-1F4E-B857-FE23BD020859}" type="datetimeFigureOut">
               <a:rPr lang="en-US" smtClean="0"/>
               <a:pPr/>
-              <a:t>4/12/11</a:t>
+              <a:t>4/13/11</a:t>
             </a:fld>
             <a:endParaRPr lang="en-US" dirty="0"/>
           </a:p>
@@ -1004,8 +1004,13 @@
           <a:p>
             <a:r>
               <a:rPr lang="en-US" dirty="0" smtClean="0"/>
-              <a:t>Even if you separate out your objects there are some tests you will want to perform where you integrate with view data.</a:t>
-            </a:r>
+              <a:t>Even if you separate out your objects there are some tests you will want to perform where you integrate with</a:t>
+            </a:r>
+            <a:r>
+              <a:rPr lang="en-US" dirty="0" smtClean="0"/>
+              <a:t> your view markup.</a:t>
+            </a:r>
+            <a:endParaRPr lang="en-US" dirty="0" smtClean="0"/>
           </a:p>
           <a:p>
             <a:endParaRPr lang="en-US" dirty="0"/>
@@ -1091,10 +1096,34 @@
           <a:lstStyle/>
           <a:p>
             <a:r>
-              <a:rPr lang="en-US" dirty="0" smtClean="0"/>
-              <a:t>A quick reflection on where we are today</a:t>
-            </a:r>
-            <a:endParaRPr lang="en-US" dirty="0"/>
+              <a:rPr lang="en-US" baseline="0" dirty="0" smtClean="0"/>
+              <a:t>Over the last few years there has been an explosion in the amount of </a:t>
+            </a:r>
+            <a:r>
+              <a:rPr lang="en-US" baseline="0" dirty="0" err="1" smtClean="0"/>
+              <a:t>Javascript</a:t>
+            </a:r>
+            <a:r>
+              <a:rPr lang="en-US" baseline="0" dirty="0" smtClean="0"/>
+              <a:t> that applications rely on.</a:t>
+            </a:r>
+          </a:p>
+          <a:p>
+            <a:r>
+              <a:rPr lang="en-US" baseline="0" dirty="0" smtClean="0"/>
+              <a:t>Back in the day people hacked up all kinds of JS for their applications. Think it was </a:t>
+            </a:r>
+            <a:r>
+              <a:rPr lang="en-US" baseline="0" dirty="0" err="1" smtClean="0"/>
+              <a:t>Crockford</a:t>
+            </a:r>
+            <a:r>
+              <a:rPr lang="en-US" baseline="0" dirty="0" smtClean="0"/>
+              <a:t> who mentioned that JS is one of the few languages that people just picked up and wrote without understanding.</a:t>
+            </a:r>
+          </a:p>
+          <a:p>
+            <a:endParaRPr lang="en-US" baseline="0" dirty="0" smtClean="0"/>
           </a:p>
         </p:txBody>
       </p:sp>
@@ -1176,27 +1205,6 @@
           </a:bodyPr>
           <a:lstStyle/>
           <a:p>
-            <a:r>
-              <a:rPr lang="en-US" dirty="0" smtClean="0"/>
-              <a:t>You know the story. </a:t>
-            </a:r>
-            <a:r>
-              <a:rPr lang="en-US" dirty="0" err="1" smtClean="0"/>
-              <a:t>XMLHttpRequest</a:t>
-            </a:r>
-            <a:r>
-              <a:rPr lang="en-US" dirty="0" smtClean="0"/>
-              <a:t>. Ajax.</a:t>
-            </a:r>
-            <a:r>
-              <a:rPr lang="en-US" baseline="0" dirty="0" smtClean="0"/>
-              <a:t> Rich internet applications. HTML 5. etc…</a:t>
-            </a:r>
-          </a:p>
-          <a:p>
-            <a:endParaRPr lang="en-US" dirty="0" smtClean="0"/>
-          </a:p>
-          <a:p>
             <a:pPr marL="0" marR="0" indent="0" algn="l" defTabSz="457200" rtl="0" eaLnBrk="1" fontAlgn="auto" latinLnBrk="0" hangingPunct="1">
               <a:lnSpc>
                 <a:spcPct val="100000"/>
@@ -1216,25 +1224,28 @@
             </a:pPr>
             <a:r>
               <a:rPr lang="en-US" dirty="0" smtClean="0"/>
-              <a:t>Not the most accurate of measurements </a:t>
+              <a:t>We’re </a:t>
+            </a:r>
+            <a:r>
+              <a:rPr lang="en-US" dirty="0" smtClean="0"/>
+              <a:t>all here because writing a modern</a:t>
             </a:r>
             <a:r>
               <a:rPr lang="en-US" baseline="0" dirty="0" smtClean="0"/>
-              <a:t>but </a:t>
+              <a:t> application with the widest reach and the richest experience usually require </a:t>
+            </a:r>
+            <a:r>
+              <a:rPr lang="en-US" baseline="0" dirty="0" err="1" smtClean="0"/>
+              <a:t>Javascript</a:t>
             </a:r>
             <a:r>
               <a:rPr lang="en-US" baseline="0" dirty="0" smtClean="0"/>
-              <a:t>the point remains.</a:t>
-            </a:r>
-            <a:r>
-              <a:rPr lang="en-US" baseline="0" dirty="0" smtClean="0"/>
-              <a:t> Now there are large amounts of JavaScript everywhere</a:t>
-            </a:r>
-            <a:r>
-              <a:rPr lang="en-US" baseline="0" dirty="0"/>
               <a:t>.</a:t>
             </a:r>
             <a:endParaRPr lang="en-US" dirty="0" smtClean="0"/>
+          </a:p>
+          <a:p>
+            <a:endParaRPr lang="en-US" dirty="0"/>
           </a:p>
         </p:txBody>
       </p:sp>
@@ -1316,42 +1327,32 @@
           </a:bodyPr>
           <a:lstStyle/>
           <a:p>
-            <a:pPr marL="0" marR="0" indent="0" algn="l" defTabSz="457200" rtl="0" eaLnBrk="1" fontAlgn="auto" latinLnBrk="0" hangingPunct="1">
-              <a:lnSpc>
-                <a:spcPct val="100000"/>
-              </a:lnSpc>
-              <a:spcBef>
-                <a:spcPts val="0"/>
-              </a:spcBef>
-              <a:spcAft>
-                <a:spcPts val="0"/>
-              </a:spcAft>
-              <a:buClrTx/>
-              <a:buSzTx/>
-              <a:buFontTx/>
-              <a:buNone/>
-              <a:tabLst/>
-              <a:defRPr/>
-            </a:pPr>
             <a:r>
               <a:rPr lang="en-US" dirty="0" smtClean="0"/>
-              <a:t>We’re all here because writing a modern</a:t>
+              <a:t>And now that people are loving the language more in the backend.</a:t>
+            </a:r>
+          </a:p>
+          <a:p>
+            <a:r>
+              <a:rPr lang="en-US" dirty="0" smtClean="0"/>
+              <a:t>I </a:t>
+            </a:r>
+            <a:r>
+              <a:rPr lang="en-US" dirty="0" smtClean="0"/>
+              <a:t>will mainly be speaking about client side </a:t>
+            </a:r>
+            <a:r>
+              <a:rPr lang="en-US" dirty="0" err="1" smtClean="0"/>
+              <a:t>javascript</a:t>
+            </a:r>
+            <a:r>
+              <a:rPr lang="en-US" dirty="0" smtClean="0"/>
+              <a:t>. Even though a lot of the fundamental</a:t>
             </a:r>
             <a:r>
               <a:rPr lang="en-US" baseline="0" dirty="0" smtClean="0"/>
-              <a:t> application with the widest reach and the richest experience usually require </a:t>
-            </a:r>
-            <a:r>
-              <a:rPr lang="en-US" baseline="0" dirty="0" err="1" smtClean="0"/>
-              <a:t>Javascript</a:t>
-            </a:r>
-            <a:r>
-              <a:rPr lang="en-US" baseline="0" dirty="0" smtClean="0"/>
-              <a:t>.</a:t>
-            </a:r>
-            <a:endParaRPr lang="en-US" dirty="0" smtClean="0"/>
-          </a:p>
-          <a:p>
+              <a:t>s apply anywhere.</a:t>
+            </a:r>
             <a:endParaRPr lang="en-US" dirty="0"/>
           </a:p>
         </p:txBody>
@@ -1434,22 +1435,6 @@
           </a:bodyPr>
           <a:lstStyle/>
           <a:p>
-            <a:r>
-              <a:rPr lang="en-US" dirty="0" smtClean="0"/>
-              <a:t>I will mainly be speaking about client side </a:t>
-            </a:r>
-            <a:r>
-              <a:rPr lang="en-US" dirty="0" err="1" smtClean="0"/>
-              <a:t>javascript</a:t>
-            </a:r>
-            <a:r>
-              <a:rPr lang="en-US" dirty="0" smtClean="0"/>
-              <a:t>. Even though a lot of the fundamental</a:t>
-            </a:r>
-            <a:r>
-              <a:rPr lang="en-US" baseline="0" dirty="0" smtClean="0"/>
-              <a:t>s apply anywhere.</a:t>
-            </a:r>
             <a:endParaRPr lang="en-US" dirty="0"/>
           </a:p>
         </p:txBody>
@@ -1534,13 +1519,62 @@
           <a:p>
             <a:r>
               <a:rPr lang="en-US" baseline="0" dirty="0" smtClean="0"/>
-              <a:t>There was an initial explosion of code there is a second explosion in frameworks.</a:t>
-            </a:r>
-          </a:p>
-          <a:p>
+              <a:t>People are starting to treat it like a real language and given its popularity now there </a:t>
+            </a:r>
+            <a:r>
+              <a:rPr lang="en-US" baseline="0" dirty="0" smtClean="0"/>
+              <a:t>is a second explosion in frameworks.</a:t>
+            </a:r>
+            <a:endParaRPr lang="en-US" baseline="0" dirty="0" smtClean="0"/>
+          </a:p>
+          <a:p>
+            <a:pPr marL="0" marR="0" indent="0" algn="l" defTabSz="457200" rtl="0" eaLnBrk="1" fontAlgn="auto" latinLnBrk="0" hangingPunct="1">
+              <a:lnSpc>
+                <a:spcPct val="100000"/>
+              </a:lnSpc>
+              <a:spcBef>
+                <a:spcPts val="0"/>
+              </a:spcBef>
+              <a:spcAft>
+                <a:spcPts val="0"/>
+              </a:spcAft>
+              <a:buClrTx/>
+              <a:buSzTx/>
+              <a:buFontTx/>
+              <a:buNone/>
+              <a:tabLst/>
+              <a:defRPr/>
+            </a:pPr>
             <a:r>
               <a:rPr lang="en-US" dirty="0" smtClean="0"/>
-              <a:t>On the front end we have frameworks such as </a:t>
+              <a:t>Bunch</a:t>
+            </a:r>
+            <a:r>
+              <a:rPr lang="en-US" baseline="0" dirty="0" smtClean="0"/>
+              <a:t> of libraries that do a decent job of abstracting the DOM and handling cross-browser quirks.</a:t>
+            </a:r>
+            <a:endParaRPr lang="en-US" dirty="0" smtClean="0"/>
+          </a:p>
+          <a:p>
+            <a:r>
+              <a:rPr lang="en-US" dirty="0" smtClean="0"/>
+              <a:t>On </a:t>
+            </a:r>
+            <a:r>
+              <a:rPr lang="en-US" dirty="0" smtClean="0"/>
+              <a:t>the front end we have frameworks such as</a:t>
+            </a:r>
+            <a:r>
+              <a:rPr lang="en-US" dirty="0" smtClean="0"/>
+              <a:t> </a:t>
+            </a:r>
+            <a:r>
+              <a:rPr lang="en-US" dirty="0" err="1" smtClean="0"/>
+              <a:t>Backbone.js</a:t>
+            </a:r>
+            <a:r>
+              <a:rPr lang="en-US" baseline="0" dirty="0" smtClean="0"/>
+              <a:t> and </a:t>
             </a:r>
             <a:r>
               <a:rPr lang="en-US" dirty="0" err="1" smtClean="0"/>
@@ -1548,29 +1582,26 @@
             </a:r>
             <a:r>
               <a:rPr lang="en-US" dirty="0" smtClean="0"/>
-              <a:t>, and </a:t>
-            </a:r>
-            <a:r>
-              <a:rPr lang="en-US" dirty="0" err="1" smtClean="0"/>
-              <a:t>Backbone.js</a:t>
+              <a:t>, </a:t>
             </a:r>
             <a:r>
               <a:rPr lang="en-US" baseline="0" dirty="0" smtClean="0"/>
-              <a:t> for example to help us organize our code.</a:t>
-            </a:r>
-          </a:p>
-          <a:p>
+              <a:t>for </a:t>
+            </a:r>
             <a:r>
               <a:rPr lang="en-US" baseline="0" dirty="0" smtClean="0"/>
-              <a:t>Jasmine is BDD testing framework.</a:t>
+              <a:t>example to help us organize our code.</a:t>
             </a:r>
           </a:p>
           <a:p>
             <a:r>
               <a:rPr lang="en-US" baseline="0" dirty="0" smtClean="0"/>
-              <a:t> </a:t>
-            </a:r>
-            <a:endParaRPr lang="en-US" dirty="0"/>
+              <a:t>Jasmine is BDD testing framework</a:t>
+            </a:r>
+            <a:r>
+              <a:rPr lang="en-US" baseline="0" dirty="0" smtClean="0"/>
+              <a:t>.</a:t>
+            </a:r>
           </a:p>
         </p:txBody>
       </p:sp>
@@ -1653,34 +1684,17 @@
           <a:lstStyle/>
           <a:p>
             <a:r>
-              <a:rPr lang="en-US" dirty="0" smtClean="0"/>
-              <a:t>Mention</a:t>
-            </a:r>
-            <a:r>
               <a:rPr lang="en-US" baseline="0" dirty="0" smtClean="0"/>
-              <a:t> </a:t>
-            </a:r>
-            <a:r>
-              <a:rPr lang="en-US" baseline="0" dirty="0" err="1" smtClean="0"/>
-              <a:t>Crockford</a:t>
+              <a:t>Careful </a:t>
             </a:r>
             <a:r>
               <a:rPr lang="en-US" baseline="0" dirty="0" smtClean="0"/>
-              <a:t>. Familiar syntax so people just open their text editor and start firing away.</a:t>
-            </a:r>
-          </a:p>
-          <a:p>
+              <a:t>when we build back ends. We should be just as careful with front </a:t>
+            </a:r>
             <a:r>
               <a:rPr lang="en-US" baseline="0" dirty="0" smtClean="0"/>
-              <a:t>Careful when we build back ends. We should be just as careful with front ends</a:t>
-            </a:r>
-          </a:p>
-          <a:p>
-            <a:r>
-              <a:rPr lang="en-US" baseline="0" dirty="0" smtClean="0"/>
-              <a:t>Encourages your to write your JS objects independent of your page markup. More than one client. Your app and your spec. Therefore they are more reusable.</a:t>
-            </a:r>
-            <a:endParaRPr lang="en-US" dirty="0" smtClean="0"/>
+              <a:t>ends. It presents the last mile to the customer where experience is key.</a:t>
+            </a:r>
           </a:p>
           <a:p>
             <a:pPr marL="0" marR="0" indent="0" algn="l" defTabSz="457200" rtl="0" eaLnBrk="1" fontAlgn="auto" latinLnBrk="0" hangingPunct="1">
@@ -1700,6 +1714,21 @@
               <a:tabLst/>
               <a:defRPr/>
             </a:pPr>
+            <a:r>
+              <a:rPr lang="en-US" dirty="0" smtClean="0"/>
+              <a:t>Executable documentation.</a:t>
+            </a:r>
+            <a:endParaRPr lang="en-US" baseline="0" dirty="0" smtClean="0"/>
+          </a:p>
+          <a:p>
+            <a:r>
+              <a:rPr lang="en-US" baseline="0" dirty="0" smtClean="0"/>
+              <a:t>Encourages </a:t>
+            </a:r>
+            <a:r>
+              <a:rPr lang="en-US" baseline="0" dirty="0" smtClean="0"/>
+              <a:t>your to write your JS objects independent of your page markup. More than one client. Your app and your spec. Therefore they are more reusable.</a:t>
+            </a:r>
             <a:endParaRPr lang="en-US" dirty="0" smtClean="0"/>
           </a:p>
           <a:p>
@@ -1722,11 +1751,23 @@
             </a:pPr>
             <a:r>
               <a:rPr lang="en-US" dirty="0" smtClean="0"/>
-              <a:t>Executable </a:t>
-            </a:r>
-            <a:r>
-              <a:rPr lang="en-US" dirty="0" smtClean="0"/>
-              <a:t>specification documentation.</a:t>
+              <a:t>Testable </a:t>
+            </a:r>
+            <a:r>
+              <a:rPr lang="en-US" baseline="0" dirty="0" smtClean="0"/>
+              <a:t>code is often more modular (nicely</a:t>
+            </a:r>
+            <a:r>
+              <a:rPr lang="en-US" baseline="0" dirty="0" smtClean="0"/>
+              <a:t> </a:t>
+            </a:r>
+            <a:r>
+              <a:rPr lang="en-US" baseline="0" dirty="0" err="1" smtClean="0"/>
+              <a:t>Namespaced</a:t>
+            </a:r>
+            <a:r>
+              <a:rPr lang="en-US" baseline="0" dirty="0" smtClean="0"/>
+              <a:t>)</a:t>
             </a:r>
           </a:p>
           <a:p>
@@ -1748,9 +1789,10 @@
               <a:defRPr/>
             </a:pPr>
             <a:r>
-              <a:rPr lang="en-US" dirty="0" smtClean="0"/>
-              <a:t>Drive out the design</a:t>
-            </a:r>
+              <a:rPr lang="en-US" baseline="0" dirty="0" smtClean="0"/>
+              <a:t>Regression tests that can be integrated into your CI build</a:t>
+            </a:r>
+            <a:endParaRPr lang="en-US" dirty="0" smtClean="0"/>
           </a:p>
           <a:p>
             <a:pPr marL="0" marR="0" indent="0" algn="l" defTabSz="457200" rtl="0" eaLnBrk="1" fontAlgn="auto" latinLnBrk="0" hangingPunct="1">
@@ -1770,22 +1812,7 @@
               <a:tabLst/>
               <a:defRPr/>
             </a:pPr>
-            <a:r>
-              <a:rPr lang="en-US" dirty="0" smtClean="0"/>
-              <a:t>Testable </a:t>
-            </a:r>
-            <a:r>
-              <a:rPr lang="en-US" baseline="0" dirty="0" smtClean="0"/>
-              <a:t>code is often more modular (nicely </a:t>
-            </a:r>
-            <a:r>
-              <a:rPr lang="en-US" baseline="0" dirty="0" err="1" smtClean="0"/>
-              <a:t>namespaced</a:t>
-            </a:r>
-            <a:r>
-              <a:rPr lang="en-US" baseline="0" dirty="0" smtClean="0"/>
-              <a:t>), and because it’s driven from the client perspective first more reusable</a:t>
-            </a:r>
+            <a:endParaRPr lang="en-US" dirty="0" smtClean="0"/>
           </a:p>
           <a:p>
             <a:pPr marL="0" marR="0" indent="0" algn="l" defTabSz="457200" rtl="0" eaLnBrk="1" fontAlgn="auto" latinLnBrk="0" hangingPunct="1">
@@ -1806,52 +1833,16 @@
               <a:defRPr/>
             </a:pPr>
             <a:r>
+              <a:rPr lang="en-US" dirty="0" smtClean="0"/>
+              <a:t>TDD</a:t>
+            </a:r>
+            <a:r>
               <a:rPr lang="en-US" baseline="0" dirty="0" smtClean="0"/>
-              <a:t>Regression tests that can be integrated into your CI build</a:t>
-            </a:r>
-            <a:endParaRPr lang="en-US" dirty="0" smtClean="0"/>
-          </a:p>
-          <a:p>
-            <a:pPr marL="0" marR="0" indent="0" algn="l" defTabSz="457200" rtl="0" eaLnBrk="1" fontAlgn="auto" latinLnBrk="0" hangingPunct="1">
-              <a:lnSpc>
-                <a:spcPct val="100000"/>
-              </a:lnSpc>
-              <a:spcBef>
-                <a:spcPts val="0"/>
-              </a:spcBef>
-              <a:spcAft>
-                <a:spcPts val="0"/>
-              </a:spcAft>
-              <a:buClrTx/>
-              <a:buSzTx/>
-              <a:buFontTx/>
-              <a:buNone/>
-              <a:tabLst/>
-              <a:defRPr/>
-            </a:pPr>
-            <a:endParaRPr lang="en-US" dirty="0" smtClean="0"/>
-          </a:p>
-          <a:p>
-            <a:pPr marL="0" marR="0" indent="0" algn="l" defTabSz="457200" rtl="0" eaLnBrk="1" fontAlgn="auto" latinLnBrk="0" hangingPunct="1">
-              <a:lnSpc>
-                <a:spcPct val="100000"/>
-              </a:lnSpc>
-              <a:spcBef>
-                <a:spcPts val="0"/>
-              </a:spcBef>
-              <a:spcAft>
-                <a:spcPts val="0"/>
-              </a:spcAft>
-              <a:buClrTx/>
-              <a:buSzTx/>
-              <a:buFontTx/>
-              <a:buNone/>
-              <a:tabLst/>
-              <a:defRPr/>
-            </a:pPr>
+              <a:t> </a:t>
+            </a:r>
             <a:r>
               <a:rPr lang="en-US" dirty="0" smtClean="0"/>
-              <a:t>It is </a:t>
+              <a:t>is </a:t>
             </a:r>
             <a:r>
               <a:rPr lang="en-AU" sz="1200" kern="1200" dirty="0" smtClean="0">
@@ -2179,7 +2170,7 @@
           </a:p>
           <a:p>
             <a:r>
-              <a:rPr lang="en-AU" sz="1200" kern="1200" smtClean="0">
+              <a:rPr lang="en-AU" sz="1200" kern="1200" dirty="0" smtClean="0">
                 <a:solidFill>
                   <a:schemeClr val="tx1"/>
                 </a:solidFill>
@@ -2189,7 +2180,7 @@
               </a:rPr>
               <a:t>It does not rely on browsers, DOM, or any JavaScript framework.</a:t>
             </a:r>
-            <a:endParaRPr lang="en-US" smtClean="0"/>
+            <a:endParaRPr lang="en-US" dirty="0" smtClean="0"/>
           </a:p>
           <a:p>
             <a:r>
@@ -2446,7 +2437,7 @@
             <a:fld id="{95E0DF11-581E-CE44-91E8-F869EB1AA168}" type="datetimeFigureOut">
               <a:rPr lang="en-US" smtClean="0"/>
               <a:pPr/>
-              <a:t>4/12/11</a:t>
+              <a:t>4/13/11</a:t>
             </a:fld>
             <a:endParaRPr lang="en-US" dirty="0"/>
           </a:p>
@@ -2751,7 +2742,7 @@
             <a:fld id="{95E0DF11-581E-CE44-91E8-F869EB1AA168}" type="datetimeFigureOut">
               <a:rPr lang="en-US" smtClean="0"/>
               <a:pPr/>
-              <a:t>4/12/11</a:t>
+              <a:t>4/13/11</a:t>
             </a:fld>
             <a:endParaRPr lang="en-US" dirty="0"/>
           </a:p>
@@ -2877,7 +2868,7 @@
             <a:fld id="{95E0DF11-581E-CE44-91E8-F869EB1AA168}" type="datetimeFigureOut">
               <a:rPr lang="en-US" smtClean="0"/>
               <a:pPr/>
-              <a:t>4/12/11</a:t>
+              <a:t>4/13/11</a:t>
             </a:fld>
             <a:endParaRPr lang="en-US" dirty="0"/>
           </a:p>
@@ -3247,7 +3238,7 @@
             <a:fld id="{95E0DF11-581E-CE44-91E8-F869EB1AA168}" type="datetimeFigureOut">
               <a:rPr lang="en-US" smtClean="0"/>
               <a:pPr/>
-              <a:t>4/12/11</a:t>
+              <a:t>4/13/11</a:t>
             </a:fld>
             <a:endParaRPr lang="en-US" dirty="0"/>
           </a:p>
@@ -3611,7 +3602,7 @@
             <a:fld id="{95E0DF11-581E-CE44-91E8-F869EB1AA168}" type="datetimeFigureOut">
               <a:rPr lang="en-US" smtClean="0"/>
               <a:pPr/>
-              <a:t>4/12/11</a:t>
+              <a:t>4/13/11</a:t>
             </a:fld>
             <a:endParaRPr lang="en-US" dirty="0"/>
           </a:p>
@@ -3792,7 +3783,7 @@
             <a:fld id="{95E0DF11-581E-CE44-91E8-F869EB1AA168}" type="datetimeFigureOut">
               <a:rPr lang="en-US" smtClean="0"/>
               <a:pPr/>
-              <a:t>4/12/11</a:t>
+              <a:t>4/13/11</a:t>
             </a:fld>
             <a:endParaRPr lang="en-US" dirty="0"/>
           </a:p>
@@ -3992,7 +3983,7 @@
             <a:fld id="{95E0DF11-581E-CE44-91E8-F869EB1AA168}" type="datetimeFigureOut">
               <a:rPr lang="en-US" smtClean="0"/>
               <a:pPr/>
-              <a:t>4/12/11</a:t>
+              <a:t>4/13/11</a:t>
             </a:fld>
             <a:endParaRPr lang="en-US" dirty="0"/>
           </a:p>
@@ -4765,7 +4756,7 @@
             <a:fld id="{95E0DF11-581E-CE44-91E8-F869EB1AA168}" type="datetimeFigureOut">
               <a:rPr lang="en-US" smtClean="0"/>
               <a:pPr/>
-              <a:t>4/12/11</a:t>
+              <a:t>4/13/11</a:t>
             </a:fld>
             <a:endParaRPr lang="en-US" dirty="0"/>
           </a:p>
@@ -5237,7 +5228,7 @@
             <a:fld id="{95E0DF11-581E-CE44-91E8-F869EB1AA168}" type="datetimeFigureOut">
               <a:rPr lang="en-US" smtClean="0"/>
               <a:pPr/>
-              <a:t>4/12/11</a:t>
+              <a:t>4/13/11</a:t>
             </a:fld>
             <a:endParaRPr lang="en-US" dirty="0"/>
           </a:p>
@@ -5580,7 +5571,7 @@
             <a:fld id="{95E0DF11-581E-CE44-91E8-F869EB1AA168}" type="datetimeFigureOut">
               <a:rPr lang="en-US" smtClean="0"/>
               <a:pPr/>
-              <a:t>4/12/11</a:t>
+              <a:t>4/13/11</a:t>
             </a:fld>
             <a:endParaRPr lang="en-US" dirty="0"/>
           </a:p>
@@ -5672,7 +5663,7 @@
             <a:fld id="{95E0DF11-581E-CE44-91E8-F869EB1AA168}" type="datetimeFigureOut">
               <a:rPr lang="en-US" smtClean="0"/>
               <a:pPr/>
-              <a:t>4/12/11</a:t>
+              <a:t>4/13/11</a:t>
             </a:fld>
             <a:endParaRPr lang="en-US" dirty="0"/>
           </a:p>
@@ -5967,7 +5958,7 @@
             <a:fld id="{95E0DF11-581E-CE44-91E8-F869EB1AA168}" type="datetimeFigureOut">
               <a:rPr lang="en-US" smtClean="0"/>
               <a:pPr/>
-              <a:t>4/12/11</a:t>
+              <a:t>4/13/11</a:t>
             </a:fld>
             <a:endParaRPr lang="en-US" dirty="0"/>
           </a:p>
@@ -6175,7 +6166,7 @@
             <a:fld id="{95E0DF11-581E-CE44-91E8-F869EB1AA168}" type="datetimeFigureOut">
               <a:rPr lang="en-US" smtClean="0"/>
               <a:pPr/>
-              <a:t>4/12/11</a:t>
+              <a:t>4/13/11</a:t>
             </a:fld>
             <a:endParaRPr lang="en-US" dirty="0"/>
           </a:p>
@@ -6624,6 +6615,13 @@
   <p:clrMapOvr>
     <a:masterClrMapping/>
   </p:clrMapOvr>
+  <p:timing>
+    <p:tnLst>
+      <p:par>
+        <p:cTn id="1" dur="indefinite" restart="never" nodeType="tmRoot"/>
+      </p:par>
+    </p:tnLst>
+  </p:timing>
 </p:sld>
 </file>
 
@@ -6821,13 +6819,7 @@
               <a:rPr lang="en-US" dirty="0" smtClean="0">
                 <a:hlinkClick r:id="rId4"/>
               </a:rPr>
-              <a:t>https</a:t>
-            </a:r>
-            <a:r>
-              <a:rPr lang="en-US" dirty="0" smtClean="0">
-                <a:hlinkClick r:id="rId4"/>
-              </a:rPr>
-              <a:t>://github.com/mhevery/jasmine-node</a:t>
+              <a:t>https://github.com/mhevery/jasmine-node</a:t>
             </a:r>
             <a:endParaRPr lang="en-US" dirty="0" smtClean="0"/>
           </a:p>
@@ -6921,13 +6913,7 @@
               <a:rPr lang="en-US" dirty="0" smtClean="0">
                 <a:hlinkClick r:id="rId3"/>
               </a:rPr>
-              <a:t>https</a:t>
-            </a:r>
-            <a:r>
-              <a:rPr lang="en-US" dirty="0" smtClean="0">
-                <a:hlinkClick r:id="rId3"/>
-              </a:rPr>
-              <a:t>://github.com/mhevery/jasmine-node</a:t>
+              <a:t>https://github.com/mhevery/jasmine-node</a:t>
             </a:r>
             <a:endParaRPr lang="en-US" dirty="0" smtClean="0"/>
           </a:p>
@@ -7348,12 +7334,18 @@
         </p:nvSpPr>
         <p:spPr/>
         <p:txBody>
-          <a:bodyPr/>
+          <a:bodyPr>
+            <a:normAutofit fontScale="90000"/>
+          </a:bodyPr>
           <a:lstStyle/>
           <a:p>
             <a:r>
               <a:rPr lang="en-US" dirty="0" smtClean="0"/>
-              <a:t>Generating fixture data</a:t>
+              <a:t>Generating</a:t>
+            </a:r>
+            <a:r>
+              <a:rPr lang="en-US" dirty="0" smtClean="0"/>
+              <a:t> real fixture data for your tests</a:t>
             </a:r>
             <a:endParaRPr lang="en-US" dirty="0"/>
           </a:p>
@@ -7617,6 +7609,13 @@
   <p:clrMapOvr>
     <a:masterClrMapping/>
   </p:clrMapOvr>
+  <p:timing>
+    <p:tnLst>
+      <p:par>
+        <p:cTn id="1" dur="indefinite" restart="never" nodeType="tmRoot"/>
+      </p:par>
+    </p:tnLst>
+  </p:timing>
 </p:sld>
 </file>
 
@@ -7639,78 +7638,6 @@
       </p:grpSpPr>
       <p:sp>
         <p:nvSpPr>
-          <p:cNvPr id="2" name="Title 1"/>
-          <p:cNvSpPr>
-            <a:spLocks noGrp="1"/>
-          </p:cNvSpPr>
-          <p:nvPr>
-            <p:ph type="title"/>
-          </p:nvPr>
-        </p:nvSpPr>
-        <p:spPr/>
-        <p:txBody>
-          <a:bodyPr/>
-          <a:lstStyle/>
-          <a:p>
-            <a:r>
-              <a:rPr lang="en-US" dirty="0" smtClean="0"/>
-              <a:t>A straw poll</a:t>
-            </a:r>
-            <a:endParaRPr lang="en-US" dirty="0"/>
-          </a:p>
-        </p:txBody>
-      </p:sp>
-      <p:pic>
-        <p:nvPicPr>
-          <p:cNvPr id="5" name="Picture 4"/>
-          <p:cNvPicPr>
-            <a:picLocks noChangeAspect="1"/>
-          </p:cNvPicPr>
-          <p:nvPr/>
-        </p:nvPicPr>
-        <p:blipFill>
-          <a:blip r:embed="rId3"/>
-          <a:stretch>
-            <a:fillRect/>
-          </a:stretch>
-        </p:blipFill>
-        <p:spPr>
-          <a:xfrm>
-            <a:off x="487794" y="1862402"/>
-            <a:ext cx="8191544" cy="3684613"/>
-          </a:xfrm>
-          <a:prstGeom prst="rect">
-            <a:avLst/>
-          </a:prstGeom>
-        </p:spPr>
-      </p:pic>
-    </p:spTree>
-  </p:cSld>
-  <p:clrMapOvr>
-    <a:masterClrMapping/>
-  </p:clrMapOvr>
-</p:sld>
-</file>
-
-<file path=ppt/slides/slide4.xml><?xml version="1.0" encoding="utf-8"?>
-<p:sld xmlns:a="http://schemas.openxmlformats.org/drawingml/2006/main" xmlns:r="http://schemas.openxmlformats.org/officeDocument/2006/relationships" xmlns:mc="http://schemas.openxmlformats.org/markup-compatibility/2006" xmlns:mv="urn:schemas-microsoft-com:mac:vml" xmlns:p="http://schemas.openxmlformats.org/presentationml/2006/main" mc:Ignorable="mv" mc:PreserveAttributes="mv:*">
-  <p:cSld>
-    <p:spTree>
-      <p:nvGrpSpPr>
-        <p:cNvPr id="1" name=""/>
-        <p:cNvGrpSpPr/>
-        <p:nvPr/>
-      </p:nvGrpSpPr>
-      <p:grpSpPr>
-        <a:xfrm>
-          <a:off x="0" y="0"/>
-          <a:ext cx="0" cy="0"/>
-          <a:chOff x="0" y="0"/>
-          <a:chExt cx="0" cy="0"/>
-        </a:xfrm>
-      </p:grpSpPr>
-      <p:sp>
-        <p:nvSpPr>
           <p:cNvPr id="13" name="Title 12"/>
           <p:cNvSpPr>
             <a:spLocks noGrp="1"/>
@@ -7728,7 +7655,19 @@
           <a:p>
             <a:r>
               <a:rPr lang="en-US" dirty="0" smtClean="0"/>
-              <a:t>Large amounts of JS in the front end</a:t>
+              <a:t>Large amounts of </a:t>
+            </a:r>
+            <a:r>
+              <a:rPr lang="en-US" dirty="0" smtClean="0"/>
+              <a:t>JavaScript </a:t>
+            </a:r>
+            <a:r>
+              <a:rPr lang="en-US" dirty="0" smtClean="0"/>
+              <a:t>in the front </a:t>
+            </a:r>
+            <a:r>
+              <a:rPr lang="en-US" dirty="0" smtClean="0"/>
+              <a:t>end…</a:t>
             </a:r>
             <a:endParaRPr lang="en-US" dirty="0"/>
           </a:p>
@@ -7787,10 +7726,17 @@
   <p:clrMapOvr>
     <a:masterClrMapping/>
   </p:clrMapOvr>
+  <p:timing>
+    <p:tnLst>
+      <p:par>
+        <p:cTn id="1" dur="indefinite" restart="never" nodeType="tmRoot"/>
+      </p:par>
+    </p:tnLst>
+  </p:timing>
 </p:sld>
 </file>
 
-<file path=ppt/slides/slide5.xml><?xml version="1.0" encoding="utf-8"?>
+<file path=ppt/slides/slide4.xml><?xml version="1.0" encoding="utf-8"?>
 <p:sld xmlns:a="http://schemas.openxmlformats.org/drawingml/2006/main" xmlns:r="http://schemas.openxmlformats.org/officeDocument/2006/relationships" xmlns:mc="http://schemas.openxmlformats.org/markup-compatibility/2006" xmlns:mv="urn:schemas-microsoft-com:mac:vml" xmlns:p="http://schemas.openxmlformats.org/presentationml/2006/main" mc:Ignorable="mv" mc:PreserveAttributes="mv:*">
   <p:cSld>
     <p:spTree>
@@ -7826,7 +7772,11 @@
           <a:p>
             <a:r>
               <a:rPr lang="en-US" dirty="0" smtClean="0"/>
-              <a:t>And increasingly in the back end</a:t>
+              <a:t>…and </a:t>
+            </a:r>
+            <a:r>
+              <a:rPr lang="en-US" dirty="0" smtClean="0"/>
+              <a:t>increasingly in the back end</a:t>
             </a:r>
             <a:endParaRPr lang="en-US" dirty="0"/>
           </a:p>
@@ -7888,6 +7838,60 @@
 </p:sld>
 </file>
 
+<file path=ppt/slides/slide5.xml><?xml version="1.0" encoding="utf-8"?>
+<p:sld xmlns:a="http://schemas.openxmlformats.org/drawingml/2006/main" xmlns:r="http://schemas.openxmlformats.org/officeDocument/2006/relationships" xmlns:mc="http://schemas.openxmlformats.org/markup-compatibility/2006" xmlns:mv="urn:schemas-microsoft-com:mac:vml" xmlns:p="http://schemas.openxmlformats.org/presentationml/2006/main" mc:Ignorable="mv" mc:PreserveAttributes="mv:*">
+  <p:cSld>
+    <p:spTree>
+      <p:nvGrpSpPr>
+        <p:cNvPr id="1" name=""/>
+        <p:cNvGrpSpPr/>
+        <p:nvPr/>
+      </p:nvGrpSpPr>
+      <p:grpSpPr>
+        <a:xfrm>
+          <a:off x="0" y="0"/>
+          <a:ext cx="0" cy="0"/>
+          <a:chOff x="0" y="0"/>
+          <a:chExt cx="0" cy="0"/>
+        </a:xfrm>
+      </p:grpSpPr>
+      <p:sp>
+        <p:nvSpPr>
+          <p:cNvPr id="5" name="Text Placeholder 4"/>
+          <p:cNvSpPr>
+            <a:spLocks noGrp="1"/>
+          </p:cNvSpPr>
+          <p:nvPr>
+            <p:ph type="body" idx="1"/>
+          </p:nvPr>
+        </p:nvSpPr>
+        <p:spPr/>
+        <p:txBody>
+          <a:bodyPr>
+            <a:normAutofit lnSpcReduction="10000"/>
+          </a:bodyPr>
+          <a:lstStyle/>
+          <a:p>
+            <a:r>
+              <a:rPr lang="en-US" dirty="0" smtClean="0"/>
+              <a:t>So </a:t>
+            </a:r>
+            <a:r>
+              <a:rPr lang="en-US" dirty="0" smtClean="0"/>
+              <a:t>more and more JS is being written</a:t>
+            </a:r>
+            <a:endParaRPr lang="en-US" dirty="0"/>
+          </a:p>
+        </p:txBody>
+      </p:sp>
+    </p:spTree>
+  </p:cSld>
+  <p:clrMapOvr>
+    <a:masterClrMapping/>
+  </p:clrMapOvr>
+</p:sld>
+</file>
+
 <file path=ppt/slides/slide6.xml><?xml version="1.0" encoding="utf-8"?>
 <p:sld xmlns:a="http://schemas.openxmlformats.org/drawingml/2006/main" xmlns:r="http://schemas.openxmlformats.org/officeDocument/2006/relationships" xmlns:mc="http://schemas.openxmlformats.org/markup-compatibility/2006" xmlns:mv="urn:schemas-microsoft-com:mac:vml" xmlns:p="http://schemas.openxmlformats.org/presentationml/2006/main" mc:Ignorable="mv" mc:PreserveAttributes="mv:*">
   <p:cSld>
@@ -7975,8 +7979,8 @@
               <a:t>Why use TDD with </a:t>
             </a:r>
             <a:r>
-              <a:rPr lang="en-US" dirty="0" err="1" smtClean="0"/>
-              <a:t>Javascript</a:t>
+              <a:rPr lang="en-US" dirty="0" smtClean="0"/>
+              <a:t>JavaScript</a:t>
             </a:r>
             <a:r>
               <a:rPr lang="en-US" dirty="0" smtClean="0"/>
@@ -8009,18 +8013,13 @@
             </a:r>
             <a:r>
               <a:rPr lang="en-US" dirty="0" smtClean="0"/>
-              <a:t>such</a:t>
-            </a:r>
-            <a:endParaRPr lang="en-US" dirty="0" smtClean="0"/>
+              <a:t>such.</a:t>
+            </a:r>
           </a:p>
           <a:p>
             <a:r>
               <a:rPr lang="en-US" dirty="0" smtClean="0"/>
-              <a:t>Specification </a:t>
-            </a:r>
-            <a:r>
-              <a:rPr lang="en-US" dirty="0" smtClean="0"/>
-              <a:t>of your code's </a:t>
+              <a:t>Specification of your code's </a:t>
             </a:r>
             <a:r>
               <a:rPr lang="en-AU" dirty="0" smtClean="0"/>
@@ -8059,6 +8058,284 @@
   <p:clrMapOvr>
     <a:masterClrMapping/>
   </p:clrMapOvr>
+  <p:timing>
+    <p:tnLst>
+      <p:par>
+        <p:cTn id="1" dur="indefinite" restart="never" nodeType="tmRoot">
+          <p:childTnLst>
+            <p:seq concurrent="1" nextAc="seek">
+              <p:cTn id="2" dur="indefinite" nodeType="mainSeq">
+                <p:childTnLst>
+                  <p:par>
+                    <p:cTn id="3" fill="hold">
+                      <p:stCondLst>
+                        <p:cond delay="indefinite"/>
+                      </p:stCondLst>
+                      <p:childTnLst>
+                        <p:par>
+                          <p:cTn id="4" fill="hold">
+                            <p:stCondLst>
+                              <p:cond delay="0"/>
+                            </p:stCondLst>
+                            <p:childTnLst>
+                              <p:par>
+                                <p:cTn id="5" presetID="1" presetClass="entr" presetSubtype="0" fill="hold" grpId="0" nodeType="clickEffect">
+                                  <p:stCondLst>
+                                    <p:cond delay="0"/>
+                                  </p:stCondLst>
+                                  <p:childTnLst>
+                                    <p:set>
+                                      <p:cBhvr>
+                                        <p:cTn id="6" dur="1" fill="hold">
+                                          <p:stCondLst>
+                                            <p:cond delay="0"/>
+                                          </p:stCondLst>
+                                        </p:cTn>
+                                        <p:tgtEl>
+                                          <p:spTgt spid="5">
+                                            <p:txEl>
+                                              <p:pRg st="0" end="0"/>
+                                            </p:txEl>
+                                          </p:spTgt>
+                                        </p:tgtEl>
+                                        <p:attrNameLst>
+                                          <p:attrName>style.visibility</p:attrName>
+                                        </p:attrNameLst>
+                                      </p:cBhvr>
+                                      <p:to>
+                                        <p:strVal val="visible"/>
+                                      </p:to>
+                                    </p:set>
+                                  </p:childTnLst>
+                                </p:cTn>
+                              </p:par>
+                            </p:childTnLst>
+                          </p:cTn>
+                        </p:par>
+                      </p:childTnLst>
+                    </p:cTn>
+                  </p:par>
+                  <p:par>
+                    <p:cTn id="7" fill="hold">
+                      <p:stCondLst>
+                        <p:cond delay="indefinite"/>
+                      </p:stCondLst>
+                      <p:childTnLst>
+                        <p:par>
+                          <p:cTn id="8" fill="hold">
+                            <p:stCondLst>
+                              <p:cond delay="0"/>
+                            </p:stCondLst>
+                            <p:childTnLst>
+                              <p:par>
+                                <p:cTn id="9" presetID="1" presetClass="entr" presetSubtype="0" fill="hold" grpId="0" nodeType="clickEffect">
+                                  <p:stCondLst>
+                                    <p:cond delay="0"/>
+                                  </p:stCondLst>
+                                  <p:childTnLst>
+                                    <p:set>
+                                      <p:cBhvr>
+                                        <p:cTn id="10" dur="1" fill="hold">
+                                          <p:stCondLst>
+                                            <p:cond delay="0"/>
+                                          </p:stCondLst>
+                                        </p:cTn>
+                                        <p:tgtEl>
+                                          <p:spTgt spid="5">
+                                            <p:txEl>
+                                              <p:pRg st="1" end="1"/>
+                                            </p:txEl>
+                                          </p:spTgt>
+                                        </p:tgtEl>
+                                        <p:attrNameLst>
+                                          <p:attrName>style.visibility</p:attrName>
+                                        </p:attrNameLst>
+                                      </p:cBhvr>
+                                      <p:to>
+                                        <p:strVal val="visible"/>
+                                      </p:to>
+                                    </p:set>
+                                  </p:childTnLst>
+                                </p:cTn>
+                              </p:par>
+                            </p:childTnLst>
+                          </p:cTn>
+                        </p:par>
+                      </p:childTnLst>
+                    </p:cTn>
+                  </p:par>
+                  <p:par>
+                    <p:cTn id="11" fill="hold">
+                      <p:stCondLst>
+                        <p:cond delay="indefinite"/>
+                      </p:stCondLst>
+                      <p:childTnLst>
+                        <p:par>
+                          <p:cTn id="12" fill="hold">
+                            <p:stCondLst>
+                              <p:cond delay="0"/>
+                            </p:stCondLst>
+                            <p:childTnLst>
+                              <p:par>
+                                <p:cTn id="13" presetID="1" presetClass="entr" presetSubtype="0" fill="hold" grpId="0" nodeType="clickEffect">
+                                  <p:stCondLst>
+                                    <p:cond delay="0"/>
+                                  </p:stCondLst>
+                                  <p:childTnLst>
+                                    <p:set>
+                                      <p:cBhvr>
+                                        <p:cTn id="14" dur="1" fill="hold">
+                                          <p:stCondLst>
+                                            <p:cond delay="0"/>
+                                          </p:stCondLst>
+                                        </p:cTn>
+                                        <p:tgtEl>
+                                          <p:spTgt spid="5">
+                                            <p:txEl>
+                                              <p:pRg st="2" end="2"/>
+                                            </p:txEl>
+                                          </p:spTgt>
+                                        </p:tgtEl>
+                                        <p:attrNameLst>
+                                          <p:attrName>style.visibility</p:attrName>
+                                        </p:attrNameLst>
+                                      </p:cBhvr>
+                                      <p:to>
+                                        <p:strVal val="visible"/>
+                                      </p:to>
+                                    </p:set>
+                                  </p:childTnLst>
+                                </p:cTn>
+                              </p:par>
+                            </p:childTnLst>
+                          </p:cTn>
+                        </p:par>
+                      </p:childTnLst>
+                    </p:cTn>
+                  </p:par>
+                  <p:par>
+                    <p:cTn id="15" fill="hold">
+                      <p:stCondLst>
+                        <p:cond delay="indefinite"/>
+                      </p:stCondLst>
+                      <p:childTnLst>
+                        <p:par>
+                          <p:cTn id="16" fill="hold">
+                            <p:stCondLst>
+                              <p:cond delay="0"/>
+                            </p:stCondLst>
+                            <p:childTnLst>
+                              <p:par>
+                                <p:cTn id="17" presetID="1" presetClass="entr" presetSubtype="0" fill="hold" grpId="0" nodeType="clickEffect">
+                                  <p:stCondLst>
+                                    <p:cond delay="0"/>
+                                  </p:stCondLst>
+                                  <p:childTnLst>
+                                    <p:set>
+                                      <p:cBhvr>
+                                        <p:cTn id="18" dur="1" fill="hold">
+                                          <p:stCondLst>
+                                            <p:cond delay="0"/>
+                                          </p:stCondLst>
+                                        </p:cTn>
+                                        <p:tgtEl>
+                                          <p:spTgt spid="5">
+                                            <p:txEl>
+                                              <p:pRg st="3" end="3"/>
+                                            </p:txEl>
+                                          </p:spTgt>
+                                        </p:tgtEl>
+                                        <p:attrNameLst>
+                                          <p:attrName>style.visibility</p:attrName>
+                                        </p:attrNameLst>
+                                      </p:cBhvr>
+                                      <p:to>
+                                        <p:strVal val="visible"/>
+                                      </p:to>
+                                    </p:set>
+                                  </p:childTnLst>
+                                </p:cTn>
+                              </p:par>
+                            </p:childTnLst>
+                          </p:cTn>
+                        </p:par>
+                      </p:childTnLst>
+                    </p:cTn>
+                  </p:par>
+                  <p:par>
+                    <p:cTn id="19" fill="hold">
+                      <p:stCondLst>
+                        <p:cond delay="indefinite"/>
+                      </p:stCondLst>
+                      <p:childTnLst>
+                        <p:par>
+                          <p:cTn id="20" fill="hold">
+                            <p:stCondLst>
+                              <p:cond delay="0"/>
+                            </p:stCondLst>
+                            <p:childTnLst>
+                              <p:par>
+                                <p:cTn id="21" presetID="1" presetClass="entr" presetSubtype="0" fill="hold" grpId="0" nodeType="clickEffect">
+                                  <p:stCondLst>
+                                    <p:cond delay="0"/>
+                                  </p:stCondLst>
+                                  <p:childTnLst>
+                                    <p:set>
+                                      <p:cBhvr>
+                                        <p:cTn id="22" dur="1" fill="hold">
+                                          <p:stCondLst>
+                                            <p:cond delay="0"/>
+                                          </p:stCondLst>
+                                        </p:cTn>
+                                        <p:tgtEl>
+                                          <p:spTgt spid="5">
+                                            <p:txEl>
+                                              <p:pRg st="4" end="4"/>
+                                            </p:txEl>
+                                          </p:spTgt>
+                                        </p:tgtEl>
+                                        <p:attrNameLst>
+                                          <p:attrName>style.visibility</p:attrName>
+                                        </p:attrNameLst>
+                                      </p:cBhvr>
+                                      <p:to>
+                                        <p:strVal val="visible"/>
+                                      </p:to>
+                                    </p:set>
+                                  </p:childTnLst>
+                                </p:cTn>
+                              </p:par>
+                            </p:childTnLst>
+                          </p:cTn>
+                        </p:par>
+                      </p:childTnLst>
+                    </p:cTn>
+                  </p:par>
+                </p:childTnLst>
+              </p:cTn>
+              <p:prevCondLst>
+                <p:cond evt="onPrev" delay="0">
+                  <p:tgtEl>
+                    <p:sldTgt/>
+                  </p:tgtEl>
+                </p:cond>
+              </p:prevCondLst>
+              <p:nextCondLst>
+                <p:cond evt="onNext" delay="0">
+                  <p:tgtEl>
+                    <p:sldTgt/>
+                  </p:tgtEl>
+                </p:cond>
+              </p:nextCondLst>
+            </p:seq>
+          </p:childTnLst>
+        </p:cTn>
+      </p:par>
+    </p:tnLst>
+    <p:bldLst>
+      <p:bldP spid="5" grpId="0" build="p"/>
+    </p:bldLst>
+  </p:timing>
 </p:sld>
 </file>
 
@@ -8154,6 +8431,13 @@
   <p:clrMapOvr>
     <a:masterClrMapping/>
   </p:clrMapOvr>
+  <p:timing>
+    <p:tnLst>
+      <p:par>
+        <p:cTn id="1" dur="indefinite" restart="never" nodeType="tmRoot"/>
+      </p:par>
+    </p:tnLst>
+  </p:timing>
 </p:sld>
 </file>
 
@@ -8244,14 +8528,19 @@
           <a:p>
             <a:r>
               <a:rPr lang="en-US" dirty="0" smtClean="0"/>
-              <a:t>Supports testing of asynchronous code</a:t>
-            </a:r>
-          </a:p>
-          <a:p>
+              <a:t>Supports testing of asynchronous </a:t>
+            </a:r>
             <a:r>
               <a:rPr lang="en-US" dirty="0" smtClean="0"/>
-              <a:t>Vibrant community</a:t>
-            </a:r>
+              <a:t>code</a:t>
+            </a:r>
+          </a:p>
+          <a:p>
+            <a:r>
+              <a:rPr lang="en-US" dirty="0" smtClean="0"/>
+              <a:t>Extendable</a:t>
+            </a:r>
+            <a:endParaRPr lang="en-US" dirty="0" smtClean="0"/>
           </a:p>
         </p:txBody>
       </p:sp>

--- a/jasmine.pptx
+++ b/jasmine.pptx
@@ -1004,13 +1004,8 @@
           <a:p>
             <a:r>
               <a:rPr lang="en-US" dirty="0" smtClean="0"/>
-              <a:t>Even if you separate out your objects there are some tests you will want to perform where you integrate with</a:t>
-            </a:r>
-            <a:r>
-              <a:rPr lang="en-US" dirty="0" smtClean="0"/>
-              <a:t> your view markup.</a:t>
-            </a:r>
-            <a:endParaRPr lang="en-US" dirty="0" smtClean="0"/>
+              <a:t>Even if you separate out your objects there are some tests you will want to perform where you integrate with your view markup.</a:t>
+            </a:r>
           </a:p>
           <a:p>
             <a:endParaRPr lang="en-US" dirty="0"/>
@@ -1224,11 +1219,7 @@
             </a:pPr>
             <a:r>
               <a:rPr lang="en-US" dirty="0" smtClean="0"/>
-              <a:t>We’re </a:t>
-            </a:r>
-            <a:r>
-              <a:rPr lang="en-US" dirty="0" smtClean="0"/>
-              <a:t>all here because writing a modern</a:t>
+              <a:t>We’re all here because writing a modern</a:t>
             </a:r>
             <a:r>
               <a:rPr lang="en-US" baseline="0" dirty="0" smtClean="0"/>
@@ -1335,11 +1326,7 @@
           <a:p>
             <a:r>
               <a:rPr lang="en-US" dirty="0" smtClean="0"/>
-              <a:t>I </a:t>
-            </a:r>
-            <a:r>
-              <a:rPr lang="en-US" dirty="0" smtClean="0"/>
-              <a:t>will mainly be speaking about client side </a:t>
+              <a:t>I will mainly be speaking about client side </a:t>
             </a:r>
             <a:r>
               <a:rPr lang="en-US" dirty="0" err="1" smtClean="0"/>
@@ -1519,13 +1506,8 @@
           <a:p>
             <a:r>
               <a:rPr lang="en-US" baseline="0" dirty="0" smtClean="0"/>
-              <a:t>People are starting to treat it like a real language and given its popularity now there </a:t>
-            </a:r>
-            <a:r>
-              <a:rPr lang="en-US" baseline="0" dirty="0" smtClean="0"/>
-              <a:t>is a second explosion in frameworks.</a:t>
-            </a:r>
-            <a:endParaRPr lang="en-US" baseline="0" dirty="0" smtClean="0"/>
+              <a:t>People are starting to treat it like a real language and given its popularity now there is a second explosion in frameworks.</a:t>
+            </a:r>
           </a:p>
           <a:p>
             <a:pPr marL="0" marR="0" indent="0" algn="l" defTabSz="457200" rtl="0" eaLnBrk="1" fontAlgn="auto" latinLnBrk="0" hangingPunct="1">
@@ -1558,15 +1540,7 @@
           <a:p>
             <a:r>
               <a:rPr lang="en-US" dirty="0" smtClean="0"/>
-              <a:t>On </a:t>
-            </a:r>
-            <a:r>
-              <a:rPr lang="en-US" dirty="0" smtClean="0"/>
-              <a:t>the front end we have frameworks such as</a:t>
-            </a:r>
-            <a:r>
-              <a:rPr lang="en-US" dirty="0" smtClean="0"/>
-              <a:t> </a:t>
+              <a:t>On the front end we have frameworks such as </a:t>
             </a:r>
             <a:r>
               <a:rPr lang="en-US" dirty="0" err="1" smtClean="0"/>
@@ -1586,21 +1560,13 @@
             </a:r>
             <a:r>
               <a:rPr lang="en-US" baseline="0" dirty="0" smtClean="0"/>
-              <a:t>for </a:t>
-            </a:r>
+              <a:t>for example to help us organize our code.</a:t>
+            </a:r>
+          </a:p>
+          <a:p>
             <a:r>
               <a:rPr lang="en-US" baseline="0" dirty="0" smtClean="0"/>
-              <a:t>example to help us organize our code.</a:t>
-            </a:r>
-          </a:p>
-          <a:p>
-            <a:r>
-              <a:rPr lang="en-US" baseline="0" dirty="0" smtClean="0"/>
-              <a:t>Jasmine is BDD testing framework</a:t>
-            </a:r>
-            <a:r>
-              <a:rPr lang="en-US" baseline="0" dirty="0" smtClean="0"/>
-              <a:t>.</a:t>
+              <a:t>Jasmine is BDD testing framework.</a:t>
             </a:r>
           </a:p>
         </p:txBody>
@@ -1685,15 +1651,7 @@
           <a:p>
             <a:r>
               <a:rPr lang="en-US" baseline="0" dirty="0" smtClean="0"/>
-              <a:t>Careful </a:t>
-            </a:r>
-            <a:r>
-              <a:rPr lang="en-US" baseline="0" dirty="0" smtClean="0"/>
-              <a:t>when we build back ends. We should be just as careful with front </a:t>
-            </a:r>
-            <a:r>
-              <a:rPr lang="en-US" baseline="0" dirty="0" smtClean="0"/>
-              <a:t>ends. It presents the last mile to the customer where experience is key.</a:t>
+              <a:t>Careful when we build back ends. We should be just as careful with front ends. It presents the last mile to the customer where experience is key.</a:t>
             </a:r>
           </a:p>
           <a:p>
@@ -1723,11 +1681,7 @@
           <a:p>
             <a:r>
               <a:rPr lang="en-US" baseline="0" dirty="0" smtClean="0"/>
-              <a:t>Encourages </a:t>
-            </a:r>
-            <a:r>
-              <a:rPr lang="en-US" baseline="0" dirty="0" smtClean="0"/>
-              <a:t>your to write your JS objects independent of your page markup. More than one client. Your app and your spec. Therefore they are more reusable.</a:t>
+              <a:t>Encourages your to write your JS objects independent of your page markup. More than one client. Your app and your spec. Therefore they are more reusable.</a:t>
             </a:r>
             <a:endParaRPr lang="en-US" dirty="0" smtClean="0"/>
           </a:p>
@@ -1755,11 +1709,7 @@
             </a:r>
             <a:r>
               <a:rPr lang="en-US" baseline="0" dirty="0" smtClean="0"/>
-              <a:t>code is often more modular (nicely</a:t>
-            </a:r>
-            <a:r>
-              <a:rPr lang="en-US" baseline="0" dirty="0" smtClean="0"/>
-              <a:t> </a:t>
+              <a:t>code is often more modular (nicely </a:t>
             </a:r>
             <a:r>
               <a:rPr lang="en-US" baseline="0" dirty="0" err="1" smtClean="0"/>
@@ -7341,11 +7291,7 @@
           <a:p>
             <a:r>
               <a:rPr lang="en-US" dirty="0" smtClean="0"/>
-              <a:t>Generating</a:t>
-            </a:r>
-            <a:r>
-              <a:rPr lang="en-US" dirty="0" smtClean="0"/>
-              <a:t> real fixture data for your tests</a:t>
+              <a:t>Generating real fixture data for your tests</a:t>
             </a:r>
             <a:endParaRPr lang="en-US" dirty="0"/>
           </a:p>
@@ -7655,19 +7601,7 @@
           <a:p>
             <a:r>
               <a:rPr lang="en-US" dirty="0" smtClean="0"/>
-              <a:t>Large amounts of </a:t>
-            </a:r>
-            <a:r>
-              <a:rPr lang="en-US" dirty="0" smtClean="0"/>
-              <a:t>JavaScript </a:t>
-            </a:r>
-            <a:r>
-              <a:rPr lang="en-US" dirty="0" smtClean="0"/>
-              <a:t>in the front </a:t>
-            </a:r>
-            <a:r>
-              <a:rPr lang="en-US" dirty="0" smtClean="0"/>
-              <a:t>end…</a:t>
+              <a:t>Large amounts of JavaScript in the front end…</a:t>
             </a:r>
             <a:endParaRPr lang="en-US" dirty="0"/>
           </a:p>
@@ -7772,11 +7706,7 @@
           <a:p>
             <a:r>
               <a:rPr lang="en-US" dirty="0" smtClean="0"/>
-              <a:t>…and </a:t>
-            </a:r>
-            <a:r>
-              <a:rPr lang="en-US" dirty="0" smtClean="0"/>
-              <a:t>increasingly in the back end</a:t>
+              <a:t>…and increasingly in the back end</a:t>
             </a:r>
             <a:endParaRPr lang="en-US" dirty="0"/>
           </a:p>
@@ -7835,6 +7765,13 @@
   <p:clrMapOvr>
     <a:masterClrMapping/>
   </p:clrMapOvr>
+  <p:timing>
+    <p:tnLst>
+      <p:par>
+        <p:cTn id="1" dur="indefinite" restart="never" nodeType="tmRoot"/>
+      </p:par>
+    </p:tnLst>
+  </p:timing>
 </p:sld>
 </file>
 
@@ -7874,11 +7811,7 @@
           <a:p>
             <a:r>
               <a:rPr lang="en-US" dirty="0" smtClean="0"/>
-              <a:t>So </a:t>
-            </a:r>
-            <a:r>
-              <a:rPr lang="en-US" dirty="0" smtClean="0"/>
-              <a:t>more and more JS is being written</a:t>
+              <a:t>So more and more JS is being written</a:t>
             </a:r>
             <a:endParaRPr lang="en-US" dirty="0"/>
           </a:p>
@@ -7889,6 +7822,13 @@
   <p:clrMapOvr>
     <a:masterClrMapping/>
   </p:clrMapOvr>
+  <p:timing>
+    <p:tnLst>
+      <p:par>
+        <p:cTn id="1" dur="indefinite" restart="never" nodeType="tmRoot"/>
+      </p:par>
+    </p:tnLst>
+  </p:timing>
 </p:sld>
 </file>
 
@@ -7939,6 +7879,13 @@
   <p:clrMapOvr>
     <a:masterClrMapping/>
   </p:clrMapOvr>
+  <p:timing>
+    <p:tnLst>
+      <p:par>
+        <p:cTn id="1" dur="indefinite" restart="never" nodeType="tmRoot"/>
+      </p:par>
+    </p:tnLst>
+  </p:timing>
 </p:sld>
 </file>
 
@@ -7976,15 +7923,7 @@
           <a:p>
             <a:r>
               <a:rPr lang="en-US" dirty="0" smtClean="0"/>
-              <a:t>Why use TDD with </a:t>
-            </a:r>
-            <a:r>
-              <a:rPr lang="en-US" dirty="0" smtClean="0"/>
-              <a:t>JavaScript</a:t>
-            </a:r>
-            <a:r>
-              <a:rPr lang="en-US" dirty="0" smtClean="0"/>
-              <a:t>?</a:t>
+              <a:t>Why use TDD with JavaScript?</a:t>
             </a:r>
             <a:endParaRPr lang="en-US" dirty="0"/>
           </a:p>
@@ -8009,11 +7948,7 @@
           <a:p>
             <a:r>
               <a:rPr lang="en-US" dirty="0" smtClean="0"/>
-              <a:t>JavaScript is a real language. Treat it as </a:t>
-            </a:r>
-            <a:r>
-              <a:rPr lang="en-US" dirty="0" smtClean="0"/>
-              <a:t>such.</a:t>
+              <a:t>JavaScript is a real language. Treat it as such.</a:t>
             </a:r>
           </a:p>
           <a:p>
@@ -8528,11 +8463,7 @@
           <a:p>
             <a:r>
               <a:rPr lang="en-US" dirty="0" smtClean="0"/>
-              <a:t>Supports testing of asynchronous </a:t>
-            </a:r>
-            <a:r>
-              <a:rPr lang="en-US" dirty="0" smtClean="0"/>
-              <a:t>code</a:t>
+              <a:t>Supports testing of asynchronous code</a:t>
             </a:r>
           </a:p>
           <a:p>
@@ -8540,7 +8471,6 @@
               <a:rPr lang="en-US" dirty="0" smtClean="0"/>
               <a:t>Extendable</a:t>
             </a:r>
-            <a:endParaRPr lang="en-US" dirty="0" smtClean="0"/>
           </a:p>
         </p:txBody>
       </p:sp>
